--- a/ppt 16-9/0272.大日到了.pptx
+++ b/ppt 16-9/0272.大日到了.pptx
@@ -5,7 +5,7 @@
     <p:sldMasterId id="2147483648" r:id="rId1"/>
   </p:sldMasterIdLst>
   <p:sldIdLst>
-    <p:sldId id="3133" r:id="rId2"/>
+    <p:sldId id="3135" r:id="rId2"/>
   </p:sldIdLst>
   <p:sldSz cx="12192000" cy="6858000"/>
   <p:notesSz cx="6858000" cy="9144000"/>
@@ -129,7 +129,7 @@
           <p:cNvPr id="2" name="标题 1">
             <a:extLst>
               <a:ext uri="{FF2B5EF4-FFF2-40B4-BE49-F238E27FC236}">
-                <a16:creationId xmlns:a16="http://schemas.microsoft.com/office/drawing/2014/main" id="{E2CCB567-12F1-EDED-0F6D-72BF852F026B}"/>
+                <a16:creationId xmlns:a16="http://schemas.microsoft.com/office/drawing/2014/main" id="{02E23901-0852-FCFD-43B4-5CC04E22A1E9}"/>
               </a:ext>
             </a:extLst>
           </p:cNvPr>
@@ -166,7 +166,7 @@
           <p:cNvPr id="3" name="副标题 2">
             <a:extLst>
               <a:ext uri="{FF2B5EF4-FFF2-40B4-BE49-F238E27FC236}">
-                <a16:creationId xmlns:a16="http://schemas.microsoft.com/office/drawing/2014/main" id="{2CCDAE4C-D2A3-986F-F12D-B3EC792AF967}"/>
+                <a16:creationId xmlns:a16="http://schemas.microsoft.com/office/drawing/2014/main" id="{8A6226A6-96BE-17C0-6AB3-645156579CC6}"/>
               </a:ext>
             </a:extLst>
           </p:cNvPr>
@@ -236,7 +236,7 @@
           <p:cNvPr id="4" name="日期占位符 3">
             <a:extLst>
               <a:ext uri="{FF2B5EF4-FFF2-40B4-BE49-F238E27FC236}">
-                <a16:creationId xmlns:a16="http://schemas.microsoft.com/office/drawing/2014/main" id="{D0AEF986-5984-23E0-3EEA-72982E08207F}"/>
+                <a16:creationId xmlns:a16="http://schemas.microsoft.com/office/drawing/2014/main" id="{C8B65002-B3FE-CF3A-A871-F2042B9F6E05}"/>
               </a:ext>
             </a:extLst>
           </p:cNvPr>
@@ -252,7 +252,7 @@
           <a:bodyPr/>
           <a:lstStyle/>
           <a:p>
-            <a:fld id="{A15F7E19-E7D6-40C2-8C5A-36EDA350A870}" type="datetimeFigureOut">
+            <a:fld id="{BC0FE200-20BD-432D-8C1C-F305EACB23A5}" type="datetimeFigureOut">
               <a:rPr lang="zh-CN" altLang="en-US" smtClean="0"/>
               <a:t>2024/3/10</a:t>
             </a:fld>
@@ -265,7 +265,7 @@
           <p:cNvPr id="5" name="页脚占位符 4">
             <a:extLst>
               <a:ext uri="{FF2B5EF4-FFF2-40B4-BE49-F238E27FC236}">
-                <a16:creationId xmlns:a16="http://schemas.microsoft.com/office/drawing/2014/main" id="{E84171D8-54DC-A743-C72D-ADCDE4E9C4F1}"/>
+                <a16:creationId xmlns:a16="http://schemas.microsoft.com/office/drawing/2014/main" id="{988F8089-686D-5085-CEBC-9183F09E2D53}"/>
               </a:ext>
             </a:extLst>
           </p:cNvPr>
@@ -290,7 +290,7 @@
           <p:cNvPr id="6" name="灯片编号占位符 5">
             <a:extLst>
               <a:ext uri="{FF2B5EF4-FFF2-40B4-BE49-F238E27FC236}">
-                <a16:creationId xmlns:a16="http://schemas.microsoft.com/office/drawing/2014/main" id="{FFFC169C-7401-397B-F1C7-AE7FD3B6ABBB}"/>
+                <a16:creationId xmlns:a16="http://schemas.microsoft.com/office/drawing/2014/main" id="{98503172-0199-B4F8-9D33-02D68DED1359}"/>
               </a:ext>
             </a:extLst>
           </p:cNvPr>
@@ -306,7 +306,7 @@
           <a:bodyPr/>
           <a:lstStyle/>
           <a:p>
-            <a:fld id="{5458D442-1806-47ED-B8BB-E2082F361CE2}" type="slidenum">
+            <a:fld id="{2FFB7D80-7637-4C6F-9822-082EF9ABFCE0}" type="slidenum">
               <a:rPr lang="zh-CN" altLang="en-US" smtClean="0"/>
               <a:t>‹#›</a:t>
             </a:fld>
@@ -317,7 +317,7 @@
     </p:spTree>
     <p:extLst>
       <p:ext uri="{BB962C8B-B14F-4D97-AF65-F5344CB8AC3E}">
-        <p14:creationId xmlns:p14="http://schemas.microsoft.com/office/powerpoint/2010/main" val="4048595890"/>
+        <p14:creationId xmlns:p14="http://schemas.microsoft.com/office/powerpoint/2010/main" val="3909694613"/>
       </p:ext>
     </p:extLst>
   </p:cSld>
@@ -349,7 +349,7 @@
           <p:cNvPr id="2" name="标题 1">
             <a:extLst>
               <a:ext uri="{FF2B5EF4-FFF2-40B4-BE49-F238E27FC236}">
-                <a16:creationId xmlns:a16="http://schemas.microsoft.com/office/drawing/2014/main" id="{441B6392-7936-7579-1BE2-E68BA6D66F82}"/>
+                <a16:creationId xmlns:a16="http://schemas.microsoft.com/office/drawing/2014/main" id="{32F278A6-59B2-30A5-D437-B8BA6339305D}"/>
               </a:ext>
             </a:extLst>
           </p:cNvPr>
@@ -377,7 +377,7 @@
           <p:cNvPr id="3" name="竖排文字占位符 2">
             <a:extLst>
               <a:ext uri="{FF2B5EF4-FFF2-40B4-BE49-F238E27FC236}">
-                <a16:creationId xmlns:a16="http://schemas.microsoft.com/office/drawing/2014/main" id="{EA67FD34-0200-C75D-4959-8AD7F21A8AA0}"/>
+                <a16:creationId xmlns:a16="http://schemas.microsoft.com/office/drawing/2014/main" id="{6555CFE3-2F35-A54A-7C75-693EACF48D53}"/>
               </a:ext>
             </a:extLst>
           </p:cNvPr>
@@ -434,7 +434,7 @@
           <p:cNvPr id="4" name="日期占位符 3">
             <a:extLst>
               <a:ext uri="{FF2B5EF4-FFF2-40B4-BE49-F238E27FC236}">
-                <a16:creationId xmlns:a16="http://schemas.microsoft.com/office/drawing/2014/main" id="{7A327FA3-8366-57B6-48DC-4F3D2CFE882A}"/>
+                <a16:creationId xmlns:a16="http://schemas.microsoft.com/office/drawing/2014/main" id="{810945D0-EC4A-235F-EB11-E913851FBD70}"/>
               </a:ext>
             </a:extLst>
           </p:cNvPr>
@@ -450,7 +450,7 @@
           <a:bodyPr/>
           <a:lstStyle/>
           <a:p>
-            <a:fld id="{A15F7E19-E7D6-40C2-8C5A-36EDA350A870}" type="datetimeFigureOut">
+            <a:fld id="{BC0FE200-20BD-432D-8C1C-F305EACB23A5}" type="datetimeFigureOut">
               <a:rPr lang="zh-CN" altLang="en-US" smtClean="0"/>
               <a:t>2024/3/10</a:t>
             </a:fld>
@@ -463,7 +463,7 @@
           <p:cNvPr id="5" name="页脚占位符 4">
             <a:extLst>
               <a:ext uri="{FF2B5EF4-FFF2-40B4-BE49-F238E27FC236}">
-                <a16:creationId xmlns:a16="http://schemas.microsoft.com/office/drawing/2014/main" id="{61EABEE3-BAAA-5E50-D8D1-88244EB36625}"/>
+                <a16:creationId xmlns:a16="http://schemas.microsoft.com/office/drawing/2014/main" id="{A930FCE7-2F14-AFDC-EEE5-1EBDD932C73B}"/>
               </a:ext>
             </a:extLst>
           </p:cNvPr>
@@ -488,7 +488,7 @@
           <p:cNvPr id="6" name="灯片编号占位符 5">
             <a:extLst>
               <a:ext uri="{FF2B5EF4-FFF2-40B4-BE49-F238E27FC236}">
-                <a16:creationId xmlns:a16="http://schemas.microsoft.com/office/drawing/2014/main" id="{FBBF555B-DB9D-2D02-3C25-6EB571A1C4DF}"/>
+                <a16:creationId xmlns:a16="http://schemas.microsoft.com/office/drawing/2014/main" id="{9304982F-88DF-D2C8-28FE-D286B2D1E592}"/>
               </a:ext>
             </a:extLst>
           </p:cNvPr>
@@ -504,7 +504,7 @@
           <a:bodyPr/>
           <a:lstStyle/>
           <a:p>
-            <a:fld id="{5458D442-1806-47ED-B8BB-E2082F361CE2}" type="slidenum">
+            <a:fld id="{2FFB7D80-7637-4C6F-9822-082EF9ABFCE0}" type="slidenum">
               <a:rPr lang="zh-CN" altLang="en-US" smtClean="0"/>
               <a:t>‹#›</a:t>
             </a:fld>
@@ -515,7 +515,7 @@
     </p:spTree>
     <p:extLst>
       <p:ext uri="{BB962C8B-B14F-4D97-AF65-F5344CB8AC3E}">
-        <p14:creationId xmlns:p14="http://schemas.microsoft.com/office/powerpoint/2010/main" val="1985360576"/>
+        <p14:creationId xmlns:p14="http://schemas.microsoft.com/office/powerpoint/2010/main" val="3781765215"/>
       </p:ext>
     </p:extLst>
   </p:cSld>
@@ -547,7 +547,7 @@
           <p:cNvPr id="2" name="竖排标题 1">
             <a:extLst>
               <a:ext uri="{FF2B5EF4-FFF2-40B4-BE49-F238E27FC236}">
-                <a16:creationId xmlns:a16="http://schemas.microsoft.com/office/drawing/2014/main" id="{F06B196B-6B0E-EB3C-3F40-737B5F22D00B}"/>
+                <a16:creationId xmlns:a16="http://schemas.microsoft.com/office/drawing/2014/main" id="{721F0689-BCD9-4765-AFEE-AB18491C7F7D}"/>
               </a:ext>
             </a:extLst>
           </p:cNvPr>
@@ -580,7 +580,7 @@
           <p:cNvPr id="3" name="竖排文字占位符 2">
             <a:extLst>
               <a:ext uri="{FF2B5EF4-FFF2-40B4-BE49-F238E27FC236}">
-                <a16:creationId xmlns:a16="http://schemas.microsoft.com/office/drawing/2014/main" id="{C54E7E0D-F952-9D49-C387-364BCA002030}"/>
+                <a16:creationId xmlns:a16="http://schemas.microsoft.com/office/drawing/2014/main" id="{57F0E123-C748-A74F-3E2F-6ED96CAAF1F9}"/>
               </a:ext>
             </a:extLst>
           </p:cNvPr>
@@ -642,7 +642,7 @@
           <p:cNvPr id="4" name="日期占位符 3">
             <a:extLst>
               <a:ext uri="{FF2B5EF4-FFF2-40B4-BE49-F238E27FC236}">
-                <a16:creationId xmlns:a16="http://schemas.microsoft.com/office/drawing/2014/main" id="{E0BC03B0-210C-0581-970F-5F4F14D3F106}"/>
+                <a16:creationId xmlns:a16="http://schemas.microsoft.com/office/drawing/2014/main" id="{FF131295-2B53-1CD7-DD9C-C4FA174E7BDF}"/>
               </a:ext>
             </a:extLst>
           </p:cNvPr>
@@ -658,7 +658,7 @@
           <a:bodyPr/>
           <a:lstStyle/>
           <a:p>
-            <a:fld id="{A15F7E19-E7D6-40C2-8C5A-36EDA350A870}" type="datetimeFigureOut">
+            <a:fld id="{BC0FE200-20BD-432D-8C1C-F305EACB23A5}" type="datetimeFigureOut">
               <a:rPr lang="zh-CN" altLang="en-US" smtClean="0"/>
               <a:t>2024/3/10</a:t>
             </a:fld>
@@ -671,7 +671,7 @@
           <p:cNvPr id="5" name="页脚占位符 4">
             <a:extLst>
               <a:ext uri="{FF2B5EF4-FFF2-40B4-BE49-F238E27FC236}">
-                <a16:creationId xmlns:a16="http://schemas.microsoft.com/office/drawing/2014/main" id="{4709D8DB-1340-DFBC-E858-CB87BBEA2B82}"/>
+                <a16:creationId xmlns:a16="http://schemas.microsoft.com/office/drawing/2014/main" id="{571F33E8-59F6-0226-487A-050C778BABF0}"/>
               </a:ext>
             </a:extLst>
           </p:cNvPr>
@@ -696,7 +696,7 @@
           <p:cNvPr id="6" name="灯片编号占位符 5">
             <a:extLst>
               <a:ext uri="{FF2B5EF4-FFF2-40B4-BE49-F238E27FC236}">
-                <a16:creationId xmlns:a16="http://schemas.microsoft.com/office/drawing/2014/main" id="{887AAA69-9D18-2F2E-8907-4D32340A894A}"/>
+                <a16:creationId xmlns:a16="http://schemas.microsoft.com/office/drawing/2014/main" id="{98E05103-57CF-8322-2348-DB12B5F169D7}"/>
               </a:ext>
             </a:extLst>
           </p:cNvPr>
@@ -712,7 +712,7 @@
           <a:bodyPr/>
           <a:lstStyle/>
           <a:p>
-            <a:fld id="{5458D442-1806-47ED-B8BB-E2082F361CE2}" type="slidenum">
+            <a:fld id="{2FFB7D80-7637-4C6F-9822-082EF9ABFCE0}" type="slidenum">
               <a:rPr lang="zh-CN" altLang="en-US" smtClean="0"/>
               <a:t>‹#›</a:t>
             </a:fld>
@@ -723,7 +723,7 @@
     </p:spTree>
     <p:extLst>
       <p:ext uri="{BB962C8B-B14F-4D97-AF65-F5344CB8AC3E}">
-        <p14:creationId xmlns:p14="http://schemas.microsoft.com/office/powerpoint/2010/main" val="1893025125"/>
+        <p14:creationId xmlns:p14="http://schemas.microsoft.com/office/powerpoint/2010/main" val="1077065547"/>
       </p:ext>
     </p:extLst>
   </p:cSld>
@@ -755,7 +755,7 @@
           <p:cNvPr id="2" name="标题 1">
             <a:extLst>
               <a:ext uri="{FF2B5EF4-FFF2-40B4-BE49-F238E27FC236}">
-                <a16:creationId xmlns:a16="http://schemas.microsoft.com/office/drawing/2014/main" id="{48B39999-7965-2C9F-AEB5-87500C34E386}"/>
+                <a16:creationId xmlns:a16="http://schemas.microsoft.com/office/drawing/2014/main" id="{71805F77-C30A-FE5B-4821-73B016D68B6D}"/>
               </a:ext>
             </a:extLst>
           </p:cNvPr>
@@ -783,7 +783,7 @@
           <p:cNvPr id="3" name="内容占位符 2">
             <a:extLst>
               <a:ext uri="{FF2B5EF4-FFF2-40B4-BE49-F238E27FC236}">
-                <a16:creationId xmlns:a16="http://schemas.microsoft.com/office/drawing/2014/main" id="{2166645C-4127-CE91-9ECF-B44F7A407D0C}"/>
+                <a16:creationId xmlns:a16="http://schemas.microsoft.com/office/drawing/2014/main" id="{675C526C-7B4C-7A96-ECE9-1A8E1498FB88}"/>
               </a:ext>
             </a:extLst>
           </p:cNvPr>
@@ -840,7 +840,7 @@
           <p:cNvPr id="4" name="日期占位符 3">
             <a:extLst>
               <a:ext uri="{FF2B5EF4-FFF2-40B4-BE49-F238E27FC236}">
-                <a16:creationId xmlns:a16="http://schemas.microsoft.com/office/drawing/2014/main" id="{0071C83A-4A83-7FB6-FF72-CFE65B3E0B1F}"/>
+                <a16:creationId xmlns:a16="http://schemas.microsoft.com/office/drawing/2014/main" id="{C22936F9-790C-1FEA-4248-390AD5DEDA3D}"/>
               </a:ext>
             </a:extLst>
           </p:cNvPr>
@@ -856,7 +856,7 @@
           <a:bodyPr/>
           <a:lstStyle/>
           <a:p>
-            <a:fld id="{A15F7E19-E7D6-40C2-8C5A-36EDA350A870}" type="datetimeFigureOut">
+            <a:fld id="{BC0FE200-20BD-432D-8C1C-F305EACB23A5}" type="datetimeFigureOut">
               <a:rPr lang="zh-CN" altLang="en-US" smtClean="0"/>
               <a:t>2024/3/10</a:t>
             </a:fld>
@@ -869,7 +869,7 @@
           <p:cNvPr id="5" name="页脚占位符 4">
             <a:extLst>
               <a:ext uri="{FF2B5EF4-FFF2-40B4-BE49-F238E27FC236}">
-                <a16:creationId xmlns:a16="http://schemas.microsoft.com/office/drawing/2014/main" id="{7005D92F-AD32-31EB-4055-D8614E78EC40}"/>
+                <a16:creationId xmlns:a16="http://schemas.microsoft.com/office/drawing/2014/main" id="{2588388E-F616-C2BE-A7C9-8C05E724EF39}"/>
               </a:ext>
             </a:extLst>
           </p:cNvPr>
@@ -894,7 +894,7 @@
           <p:cNvPr id="6" name="灯片编号占位符 5">
             <a:extLst>
               <a:ext uri="{FF2B5EF4-FFF2-40B4-BE49-F238E27FC236}">
-                <a16:creationId xmlns:a16="http://schemas.microsoft.com/office/drawing/2014/main" id="{3047AAAE-A935-B6F4-9559-860B5C959D65}"/>
+                <a16:creationId xmlns:a16="http://schemas.microsoft.com/office/drawing/2014/main" id="{12F26D3E-7676-2E8C-EF75-8C22F45E5AE6}"/>
               </a:ext>
             </a:extLst>
           </p:cNvPr>
@@ -910,7 +910,7 @@
           <a:bodyPr/>
           <a:lstStyle/>
           <a:p>
-            <a:fld id="{5458D442-1806-47ED-B8BB-E2082F361CE2}" type="slidenum">
+            <a:fld id="{2FFB7D80-7637-4C6F-9822-082EF9ABFCE0}" type="slidenum">
               <a:rPr lang="zh-CN" altLang="en-US" smtClean="0"/>
               <a:t>‹#›</a:t>
             </a:fld>
@@ -921,7 +921,7 @@
     </p:spTree>
     <p:extLst>
       <p:ext uri="{BB962C8B-B14F-4D97-AF65-F5344CB8AC3E}">
-        <p14:creationId xmlns:p14="http://schemas.microsoft.com/office/powerpoint/2010/main" val="1072756443"/>
+        <p14:creationId xmlns:p14="http://schemas.microsoft.com/office/powerpoint/2010/main" val="2643666708"/>
       </p:ext>
     </p:extLst>
   </p:cSld>
@@ -953,7 +953,7 @@
           <p:cNvPr id="2" name="标题 1">
             <a:extLst>
               <a:ext uri="{FF2B5EF4-FFF2-40B4-BE49-F238E27FC236}">
-                <a16:creationId xmlns:a16="http://schemas.microsoft.com/office/drawing/2014/main" id="{8793A805-808A-9DDB-2BC6-FD5E439BB812}"/>
+                <a16:creationId xmlns:a16="http://schemas.microsoft.com/office/drawing/2014/main" id="{96FBF152-11E2-89FD-317F-950703D556F7}"/>
               </a:ext>
             </a:extLst>
           </p:cNvPr>
@@ -990,7 +990,7 @@
           <p:cNvPr id="3" name="文本占位符 2">
             <a:extLst>
               <a:ext uri="{FF2B5EF4-FFF2-40B4-BE49-F238E27FC236}">
-                <a16:creationId xmlns:a16="http://schemas.microsoft.com/office/drawing/2014/main" id="{AFCF5192-A8D4-83DE-14E6-F672CB29DD5B}"/>
+                <a16:creationId xmlns:a16="http://schemas.microsoft.com/office/drawing/2014/main" id="{DB45445A-CE3A-D433-6B04-B1DBB4FEB412}"/>
               </a:ext>
             </a:extLst>
           </p:cNvPr>
@@ -1115,7 +1115,7 @@
           <p:cNvPr id="4" name="日期占位符 3">
             <a:extLst>
               <a:ext uri="{FF2B5EF4-FFF2-40B4-BE49-F238E27FC236}">
-                <a16:creationId xmlns:a16="http://schemas.microsoft.com/office/drawing/2014/main" id="{89EEE0BF-3AFD-6939-BCF4-DC109257F4A6}"/>
+                <a16:creationId xmlns:a16="http://schemas.microsoft.com/office/drawing/2014/main" id="{39EB27B7-88EA-FAA7-6BC8-FC609E26ABAF}"/>
               </a:ext>
             </a:extLst>
           </p:cNvPr>
@@ -1131,7 +1131,7 @@
           <a:bodyPr/>
           <a:lstStyle/>
           <a:p>
-            <a:fld id="{A15F7E19-E7D6-40C2-8C5A-36EDA350A870}" type="datetimeFigureOut">
+            <a:fld id="{BC0FE200-20BD-432D-8C1C-F305EACB23A5}" type="datetimeFigureOut">
               <a:rPr lang="zh-CN" altLang="en-US" smtClean="0"/>
               <a:t>2024/3/10</a:t>
             </a:fld>
@@ -1144,7 +1144,7 @@
           <p:cNvPr id="5" name="页脚占位符 4">
             <a:extLst>
               <a:ext uri="{FF2B5EF4-FFF2-40B4-BE49-F238E27FC236}">
-                <a16:creationId xmlns:a16="http://schemas.microsoft.com/office/drawing/2014/main" id="{47926FAC-D17F-67FE-DB91-ECC36F73DD73}"/>
+                <a16:creationId xmlns:a16="http://schemas.microsoft.com/office/drawing/2014/main" id="{2004E8A9-843A-0642-9C47-D94B04395B07}"/>
               </a:ext>
             </a:extLst>
           </p:cNvPr>
@@ -1169,7 +1169,7 @@
           <p:cNvPr id="6" name="灯片编号占位符 5">
             <a:extLst>
               <a:ext uri="{FF2B5EF4-FFF2-40B4-BE49-F238E27FC236}">
-                <a16:creationId xmlns:a16="http://schemas.microsoft.com/office/drawing/2014/main" id="{01B66694-C7F0-AD64-98F4-BBB09483C6A1}"/>
+                <a16:creationId xmlns:a16="http://schemas.microsoft.com/office/drawing/2014/main" id="{11D6CEEA-0D42-1E32-1492-C943EB25D9FE}"/>
               </a:ext>
             </a:extLst>
           </p:cNvPr>
@@ -1185,7 +1185,7 @@
           <a:bodyPr/>
           <a:lstStyle/>
           <a:p>
-            <a:fld id="{5458D442-1806-47ED-B8BB-E2082F361CE2}" type="slidenum">
+            <a:fld id="{2FFB7D80-7637-4C6F-9822-082EF9ABFCE0}" type="slidenum">
               <a:rPr lang="zh-CN" altLang="en-US" smtClean="0"/>
               <a:t>‹#›</a:t>
             </a:fld>
@@ -1196,7 +1196,7 @@
     </p:spTree>
     <p:extLst>
       <p:ext uri="{BB962C8B-B14F-4D97-AF65-F5344CB8AC3E}">
-        <p14:creationId xmlns:p14="http://schemas.microsoft.com/office/powerpoint/2010/main" val="342894728"/>
+        <p14:creationId xmlns:p14="http://schemas.microsoft.com/office/powerpoint/2010/main" val="3510983504"/>
       </p:ext>
     </p:extLst>
   </p:cSld>
@@ -1228,7 +1228,7 @@
           <p:cNvPr id="2" name="标题 1">
             <a:extLst>
               <a:ext uri="{FF2B5EF4-FFF2-40B4-BE49-F238E27FC236}">
-                <a16:creationId xmlns:a16="http://schemas.microsoft.com/office/drawing/2014/main" id="{60F4D980-E8B3-A2E5-0697-5D921F6D0FA8}"/>
+                <a16:creationId xmlns:a16="http://schemas.microsoft.com/office/drawing/2014/main" id="{578EDE05-75D2-6113-6B5B-8A67F2CA5336}"/>
               </a:ext>
             </a:extLst>
           </p:cNvPr>
@@ -1256,7 +1256,7 @@
           <p:cNvPr id="3" name="内容占位符 2">
             <a:extLst>
               <a:ext uri="{FF2B5EF4-FFF2-40B4-BE49-F238E27FC236}">
-                <a16:creationId xmlns:a16="http://schemas.microsoft.com/office/drawing/2014/main" id="{0E511025-5922-05F2-F64F-7A38140BCA97}"/>
+                <a16:creationId xmlns:a16="http://schemas.microsoft.com/office/drawing/2014/main" id="{5A18C79D-E75F-5553-9752-753B7AEFDCCB}"/>
               </a:ext>
             </a:extLst>
           </p:cNvPr>
@@ -1318,7 +1318,7 @@
           <p:cNvPr id="4" name="内容占位符 3">
             <a:extLst>
               <a:ext uri="{FF2B5EF4-FFF2-40B4-BE49-F238E27FC236}">
-                <a16:creationId xmlns:a16="http://schemas.microsoft.com/office/drawing/2014/main" id="{AF5BDF1D-3F8A-EAD4-C4FC-60BBE5EBB4B0}"/>
+                <a16:creationId xmlns:a16="http://schemas.microsoft.com/office/drawing/2014/main" id="{DF114098-21D2-24B7-1495-2A1D3DA63C58}"/>
               </a:ext>
             </a:extLst>
           </p:cNvPr>
@@ -1380,7 +1380,7 @@
           <p:cNvPr id="5" name="日期占位符 4">
             <a:extLst>
               <a:ext uri="{FF2B5EF4-FFF2-40B4-BE49-F238E27FC236}">
-                <a16:creationId xmlns:a16="http://schemas.microsoft.com/office/drawing/2014/main" id="{F5A59A9C-8F4F-5D96-CAD7-55B526B6565F}"/>
+                <a16:creationId xmlns:a16="http://schemas.microsoft.com/office/drawing/2014/main" id="{AF413B22-2F26-1B9B-848E-B6A7F3E8370C}"/>
               </a:ext>
             </a:extLst>
           </p:cNvPr>
@@ -1396,7 +1396,7 @@
           <a:bodyPr/>
           <a:lstStyle/>
           <a:p>
-            <a:fld id="{A15F7E19-E7D6-40C2-8C5A-36EDA350A870}" type="datetimeFigureOut">
+            <a:fld id="{BC0FE200-20BD-432D-8C1C-F305EACB23A5}" type="datetimeFigureOut">
               <a:rPr lang="zh-CN" altLang="en-US" smtClean="0"/>
               <a:t>2024/3/10</a:t>
             </a:fld>
@@ -1409,7 +1409,7 @@
           <p:cNvPr id="6" name="页脚占位符 5">
             <a:extLst>
               <a:ext uri="{FF2B5EF4-FFF2-40B4-BE49-F238E27FC236}">
-                <a16:creationId xmlns:a16="http://schemas.microsoft.com/office/drawing/2014/main" id="{9062D51A-285F-19E5-B5BA-0A8D936712B6}"/>
+                <a16:creationId xmlns:a16="http://schemas.microsoft.com/office/drawing/2014/main" id="{AF5E8422-A5CD-4325-4F28-A2163BD15A22}"/>
               </a:ext>
             </a:extLst>
           </p:cNvPr>
@@ -1434,7 +1434,7 @@
           <p:cNvPr id="7" name="灯片编号占位符 6">
             <a:extLst>
               <a:ext uri="{FF2B5EF4-FFF2-40B4-BE49-F238E27FC236}">
-                <a16:creationId xmlns:a16="http://schemas.microsoft.com/office/drawing/2014/main" id="{5979267F-8030-FEDA-6150-C298D926779E}"/>
+                <a16:creationId xmlns:a16="http://schemas.microsoft.com/office/drawing/2014/main" id="{1D0E3395-BB1E-798C-A7DF-2566EEB8C611}"/>
               </a:ext>
             </a:extLst>
           </p:cNvPr>
@@ -1450,7 +1450,7 @@
           <a:bodyPr/>
           <a:lstStyle/>
           <a:p>
-            <a:fld id="{5458D442-1806-47ED-B8BB-E2082F361CE2}" type="slidenum">
+            <a:fld id="{2FFB7D80-7637-4C6F-9822-082EF9ABFCE0}" type="slidenum">
               <a:rPr lang="zh-CN" altLang="en-US" smtClean="0"/>
               <a:t>‹#›</a:t>
             </a:fld>
@@ -1461,7 +1461,7 @@
     </p:spTree>
     <p:extLst>
       <p:ext uri="{BB962C8B-B14F-4D97-AF65-F5344CB8AC3E}">
-        <p14:creationId xmlns:p14="http://schemas.microsoft.com/office/powerpoint/2010/main" val="3496307807"/>
+        <p14:creationId xmlns:p14="http://schemas.microsoft.com/office/powerpoint/2010/main" val="3821411376"/>
       </p:ext>
     </p:extLst>
   </p:cSld>
@@ -1493,7 +1493,7 @@
           <p:cNvPr id="2" name="标题 1">
             <a:extLst>
               <a:ext uri="{FF2B5EF4-FFF2-40B4-BE49-F238E27FC236}">
-                <a16:creationId xmlns:a16="http://schemas.microsoft.com/office/drawing/2014/main" id="{B8715712-B82E-2BF3-6793-5A0E86243A79}"/>
+                <a16:creationId xmlns:a16="http://schemas.microsoft.com/office/drawing/2014/main" id="{6C40122D-B698-7325-4C78-5A87120D50C8}"/>
               </a:ext>
             </a:extLst>
           </p:cNvPr>
@@ -1526,7 +1526,7 @@
           <p:cNvPr id="3" name="文本占位符 2">
             <a:extLst>
               <a:ext uri="{FF2B5EF4-FFF2-40B4-BE49-F238E27FC236}">
-                <a16:creationId xmlns:a16="http://schemas.microsoft.com/office/drawing/2014/main" id="{0F6A4E99-8809-C8E2-1D17-11B1686B7E5D}"/>
+                <a16:creationId xmlns:a16="http://schemas.microsoft.com/office/drawing/2014/main" id="{44BAB91B-A98F-12C2-5386-0F1D814F6A24}"/>
               </a:ext>
             </a:extLst>
           </p:cNvPr>
@@ -1597,7 +1597,7 @@
           <p:cNvPr id="4" name="内容占位符 3">
             <a:extLst>
               <a:ext uri="{FF2B5EF4-FFF2-40B4-BE49-F238E27FC236}">
-                <a16:creationId xmlns:a16="http://schemas.microsoft.com/office/drawing/2014/main" id="{79CCA026-D775-A500-FA85-49AFE560AB70}"/>
+                <a16:creationId xmlns:a16="http://schemas.microsoft.com/office/drawing/2014/main" id="{64CD066C-9533-01B2-41F4-3B7E7FF75696}"/>
               </a:ext>
             </a:extLst>
           </p:cNvPr>
@@ -1659,7 +1659,7 @@
           <p:cNvPr id="5" name="文本占位符 4">
             <a:extLst>
               <a:ext uri="{FF2B5EF4-FFF2-40B4-BE49-F238E27FC236}">
-                <a16:creationId xmlns:a16="http://schemas.microsoft.com/office/drawing/2014/main" id="{9622C559-45D0-9F58-F12D-29D2ACD1C452}"/>
+                <a16:creationId xmlns:a16="http://schemas.microsoft.com/office/drawing/2014/main" id="{2EE3CADF-94F7-027E-6B2E-4010D823D521}"/>
               </a:ext>
             </a:extLst>
           </p:cNvPr>
@@ -1730,7 +1730,7 @@
           <p:cNvPr id="6" name="内容占位符 5">
             <a:extLst>
               <a:ext uri="{FF2B5EF4-FFF2-40B4-BE49-F238E27FC236}">
-                <a16:creationId xmlns:a16="http://schemas.microsoft.com/office/drawing/2014/main" id="{A184404B-F528-DDDC-D091-49D23E17A0FA}"/>
+                <a16:creationId xmlns:a16="http://schemas.microsoft.com/office/drawing/2014/main" id="{C7C716F4-F1BD-7F2B-C799-B76379BF4E6E}"/>
               </a:ext>
             </a:extLst>
           </p:cNvPr>
@@ -1792,7 +1792,7 @@
           <p:cNvPr id="7" name="日期占位符 6">
             <a:extLst>
               <a:ext uri="{FF2B5EF4-FFF2-40B4-BE49-F238E27FC236}">
-                <a16:creationId xmlns:a16="http://schemas.microsoft.com/office/drawing/2014/main" id="{652846D5-950B-00B5-1415-81E29D4DCFF8}"/>
+                <a16:creationId xmlns:a16="http://schemas.microsoft.com/office/drawing/2014/main" id="{F7F5CAF9-6898-AAEB-98AF-F42634860DB6}"/>
               </a:ext>
             </a:extLst>
           </p:cNvPr>
@@ -1808,7 +1808,7 @@
           <a:bodyPr/>
           <a:lstStyle/>
           <a:p>
-            <a:fld id="{A15F7E19-E7D6-40C2-8C5A-36EDA350A870}" type="datetimeFigureOut">
+            <a:fld id="{BC0FE200-20BD-432D-8C1C-F305EACB23A5}" type="datetimeFigureOut">
               <a:rPr lang="zh-CN" altLang="en-US" smtClean="0"/>
               <a:t>2024/3/10</a:t>
             </a:fld>
@@ -1821,7 +1821,7 @@
           <p:cNvPr id="8" name="页脚占位符 7">
             <a:extLst>
               <a:ext uri="{FF2B5EF4-FFF2-40B4-BE49-F238E27FC236}">
-                <a16:creationId xmlns:a16="http://schemas.microsoft.com/office/drawing/2014/main" id="{36C96468-E0A4-AD84-CA90-4F54B66220B0}"/>
+                <a16:creationId xmlns:a16="http://schemas.microsoft.com/office/drawing/2014/main" id="{E88EDCB1-2CC2-4B86-8404-B356D0C20790}"/>
               </a:ext>
             </a:extLst>
           </p:cNvPr>
@@ -1846,7 +1846,7 @@
           <p:cNvPr id="9" name="灯片编号占位符 8">
             <a:extLst>
               <a:ext uri="{FF2B5EF4-FFF2-40B4-BE49-F238E27FC236}">
-                <a16:creationId xmlns:a16="http://schemas.microsoft.com/office/drawing/2014/main" id="{B9434100-A3C9-F898-2F3D-89A09F7BD97B}"/>
+                <a16:creationId xmlns:a16="http://schemas.microsoft.com/office/drawing/2014/main" id="{F1F9ADD2-9F44-7CB3-E1EC-DFF70697B726}"/>
               </a:ext>
             </a:extLst>
           </p:cNvPr>
@@ -1862,7 +1862,7 @@
           <a:bodyPr/>
           <a:lstStyle/>
           <a:p>
-            <a:fld id="{5458D442-1806-47ED-B8BB-E2082F361CE2}" type="slidenum">
+            <a:fld id="{2FFB7D80-7637-4C6F-9822-082EF9ABFCE0}" type="slidenum">
               <a:rPr lang="zh-CN" altLang="en-US" smtClean="0"/>
               <a:t>‹#›</a:t>
             </a:fld>
@@ -1873,7 +1873,7 @@
     </p:spTree>
     <p:extLst>
       <p:ext uri="{BB962C8B-B14F-4D97-AF65-F5344CB8AC3E}">
-        <p14:creationId xmlns:p14="http://schemas.microsoft.com/office/powerpoint/2010/main" val="3093814576"/>
+        <p14:creationId xmlns:p14="http://schemas.microsoft.com/office/powerpoint/2010/main" val="349571100"/>
       </p:ext>
     </p:extLst>
   </p:cSld>
@@ -1905,7 +1905,7 @@
           <p:cNvPr id="2" name="标题 1">
             <a:extLst>
               <a:ext uri="{FF2B5EF4-FFF2-40B4-BE49-F238E27FC236}">
-                <a16:creationId xmlns:a16="http://schemas.microsoft.com/office/drawing/2014/main" id="{EA4748F3-52C8-4EF6-139F-741B48179D63}"/>
+                <a16:creationId xmlns:a16="http://schemas.microsoft.com/office/drawing/2014/main" id="{EF053510-CCC7-C5D2-0DF0-CBE624551A1D}"/>
               </a:ext>
             </a:extLst>
           </p:cNvPr>
@@ -1933,7 +1933,7 @@
           <p:cNvPr id="3" name="日期占位符 2">
             <a:extLst>
               <a:ext uri="{FF2B5EF4-FFF2-40B4-BE49-F238E27FC236}">
-                <a16:creationId xmlns:a16="http://schemas.microsoft.com/office/drawing/2014/main" id="{3B8AE04E-05A6-E013-CDD0-3AD7966AA3A1}"/>
+                <a16:creationId xmlns:a16="http://schemas.microsoft.com/office/drawing/2014/main" id="{93530289-2FBA-5315-903C-08DAC72AF304}"/>
               </a:ext>
             </a:extLst>
           </p:cNvPr>
@@ -1949,7 +1949,7 @@
           <a:bodyPr/>
           <a:lstStyle/>
           <a:p>
-            <a:fld id="{A15F7E19-E7D6-40C2-8C5A-36EDA350A870}" type="datetimeFigureOut">
+            <a:fld id="{BC0FE200-20BD-432D-8C1C-F305EACB23A5}" type="datetimeFigureOut">
               <a:rPr lang="zh-CN" altLang="en-US" smtClean="0"/>
               <a:t>2024/3/10</a:t>
             </a:fld>
@@ -1962,7 +1962,7 @@
           <p:cNvPr id="4" name="页脚占位符 3">
             <a:extLst>
               <a:ext uri="{FF2B5EF4-FFF2-40B4-BE49-F238E27FC236}">
-                <a16:creationId xmlns:a16="http://schemas.microsoft.com/office/drawing/2014/main" id="{60FEBBBD-D1E9-B390-F465-3A6A470B305B}"/>
+                <a16:creationId xmlns:a16="http://schemas.microsoft.com/office/drawing/2014/main" id="{A1D645FB-6D20-0EE0-9582-B95D5602E7C5}"/>
               </a:ext>
             </a:extLst>
           </p:cNvPr>
@@ -1987,7 +1987,7 @@
           <p:cNvPr id="5" name="灯片编号占位符 4">
             <a:extLst>
               <a:ext uri="{FF2B5EF4-FFF2-40B4-BE49-F238E27FC236}">
-                <a16:creationId xmlns:a16="http://schemas.microsoft.com/office/drawing/2014/main" id="{D77F1912-DC70-7BD9-DAB6-65DBF98B0AA5}"/>
+                <a16:creationId xmlns:a16="http://schemas.microsoft.com/office/drawing/2014/main" id="{57C67960-F48B-EBEF-B8B2-AEB3E8C5E0B0}"/>
               </a:ext>
             </a:extLst>
           </p:cNvPr>
@@ -2003,7 +2003,7 @@
           <a:bodyPr/>
           <a:lstStyle/>
           <a:p>
-            <a:fld id="{5458D442-1806-47ED-B8BB-E2082F361CE2}" type="slidenum">
+            <a:fld id="{2FFB7D80-7637-4C6F-9822-082EF9ABFCE0}" type="slidenum">
               <a:rPr lang="zh-CN" altLang="en-US" smtClean="0"/>
               <a:t>‹#›</a:t>
             </a:fld>
@@ -2014,7 +2014,7 @@
     </p:spTree>
     <p:extLst>
       <p:ext uri="{BB962C8B-B14F-4D97-AF65-F5344CB8AC3E}">
-        <p14:creationId xmlns:p14="http://schemas.microsoft.com/office/powerpoint/2010/main" val="2311596594"/>
+        <p14:creationId xmlns:p14="http://schemas.microsoft.com/office/powerpoint/2010/main" val="3177297282"/>
       </p:ext>
     </p:extLst>
   </p:cSld>
@@ -2046,7 +2046,7 @@
           <p:cNvPr id="2" name="日期占位符 1">
             <a:extLst>
               <a:ext uri="{FF2B5EF4-FFF2-40B4-BE49-F238E27FC236}">
-                <a16:creationId xmlns:a16="http://schemas.microsoft.com/office/drawing/2014/main" id="{9D56C1A3-8E8C-1230-99D7-274F2731AEB8}"/>
+                <a16:creationId xmlns:a16="http://schemas.microsoft.com/office/drawing/2014/main" id="{04E9D018-8096-F435-260A-74F0A01B0E2D}"/>
               </a:ext>
             </a:extLst>
           </p:cNvPr>
@@ -2062,7 +2062,7 @@
           <a:bodyPr/>
           <a:lstStyle/>
           <a:p>
-            <a:fld id="{A15F7E19-E7D6-40C2-8C5A-36EDA350A870}" type="datetimeFigureOut">
+            <a:fld id="{BC0FE200-20BD-432D-8C1C-F305EACB23A5}" type="datetimeFigureOut">
               <a:rPr lang="zh-CN" altLang="en-US" smtClean="0"/>
               <a:t>2024/3/10</a:t>
             </a:fld>
@@ -2075,7 +2075,7 @@
           <p:cNvPr id="3" name="页脚占位符 2">
             <a:extLst>
               <a:ext uri="{FF2B5EF4-FFF2-40B4-BE49-F238E27FC236}">
-                <a16:creationId xmlns:a16="http://schemas.microsoft.com/office/drawing/2014/main" id="{3FBBFFEF-7161-BFEB-9DEB-300E506A5F59}"/>
+                <a16:creationId xmlns:a16="http://schemas.microsoft.com/office/drawing/2014/main" id="{E263E3FF-8AEA-C9BA-9B23-4D4585255AB7}"/>
               </a:ext>
             </a:extLst>
           </p:cNvPr>
@@ -2100,7 +2100,7 @@
           <p:cNvPr id="4" name="灯片编号占位符 3">
             <a:extLst>
               <a:ext uri="{FF2B5EF4-FFF2-40B4-BE49-F238E27FC236}">
-                <a16:creationId xmlns:a16="http://schemas.microsoft.com/office/drawing/2014/main" id="{4C48D8C2-B28C-1825-4C5F-00373FFB6838}"/>
+                <a16:creationId xmlns:a16="http://schemas.microsoft.com/office/drawing/2014/main" id="{FBCCD6B2-1602-D582-D9E6-07FFDD563808}"/>
               </a:ext>
             </a:extLst>
           </p:cNvPr>
@@ -2116,7 +2116,7 @@
           <a:bodyPr/>
           <a:lstStyle/>
           <a:p>
-            <a:fld id="{5458D442-1806-47ED-B8BB-E2082F361CE2}" type="slidenum">
+            <a:fld id="{2FFB7D80-7637-4C6F-9822-082EF9ABFCE0}" type="slidenum">
               <a:rPr lang="zh-CN" altLang="en-US" smtClean="0"/>
               <a:t>‹#›</a:t>
             </a:fld>
@@ -2127,7 +2127,7 @@
     </p:spTree>
     <p:extLst>
       <p:ext uri="{BB962C8B-B14F-4D97-AF65-F5344CB8AC3E}">
-        <p14:creationId xmlns:p14="http://schemas.microsoft.com/office/powerpoint/2010/main" val="1902108149"/>
+        <p14:creationId xmlns:p14="http://schemas.microsoft.com/office/powerpoint/2010/main" val="1634964930"/>
       </p:ext>
     </p:extLst>
   </p:cSld>
@@ -2159,7 +2159,7 @@
           <p:cNvPr id="2" name="标题 1">
             <a:extLst>
               <a:ext uri="{FF2B5EF4-FFF2-40B4-BE49-F238E27FC236}">
-                <a16:creationId xmlns:a16="http://schemas.microsoft.com/office/drawing/2014/main" id="{800A6C90-5073-61E9-182C-AF1950940344}"/>
+                <a16:creationId xmlns:a16="http://schemas.microsoft.com/office/drawing/2014/main" id="{FC6CAE84-89F1-51F2-CC0C-C78A72B5067C}"/>
               </a:ext>
             </a:extLst>
           </p:cNvPr>
@@ -2196,7 +2196,7 @@
           <p:cNvPr id="3" name="内容占位符 2">
             <a:extLst>
               <a:ext uri="{FF2B5EF4-FFF2-40B4-BE49-F238E27FC236}">
-                <a16:creationId xmlns:a16="http://schemas.microsoft.com/office/drawing/2014/main" id="{610652AF-D985-45A5-4D5F-6917867B277B}"/>
+                <a16:creationId xmlns:a16="http://schemas.microsoft.com/office/drawing/2014/main" id="{403873C5-A574-3A66-F855-9489BDAEBE51}"/>
               </a:ext>
             </a:extLst>
           </p:cNvPr>
@@ -2286,7 +2286,7 @@
           <p:cNvPr id="4" name="文本占位符 3">
             <a:extLst>
               <a:ext uri="{FF2B5EF4-FFF2-40B4-BE49-F238E27FC236}">
-                <a16:creationId xmlns:a16="http://schemas.microsoft.com/office/drawing/2014/main" id="{F69AAFDF-76E2-53DB-E47A-47BDD93632B2}"/>
+                <a16:creationId xmlns:a16="http://schemas.microsoft.com/office/drawing/2014/main" id="{EDF0935F-7B26-EA32-5342-8D4EF78CE625}"/>
               </a:ext>
             </a:extLst>
           </p:cNvPr>
@@ -2357,7 +2357,7 @@
           <p:cNvPr id="5" name="日期占位符 4">
             <a:extLst>
               <a:ext uri="{FF2B5EF4-FFF2-40B4-BE49-F238E27FC236}">
-                <a16:creationId xmlns:a16="http://schemas.microsoft.com/office/drawing/2014/main" id="{F7D5216E-263D-0B9E-E06F-63CD1ABB3E52}"/>
+                <a16:creationId xmlns:a16="http://schemas.microsoft.com/office/drawing/2014/main" id="{054D70B2-C611-9C3C-8F1D-8D69C65039C8}"/>
               </a:ext>
             </a:extLst>
           </p:cNvPr>
@@ -2373,7 +2373,7 @@
           <a:bodyPr/>
           <a:lstStyle/>
           <a:p>
-            <a:fld id="{A15F7E19-E7D6-40C2-8C5A-36EDA350A870}" type="datetimeFigureOut">
+            <a:fld id="{BC0FE200-20BD-432D-8C1C-F305EACB23A5}" type="datetimeFigureOut">
               <a:rPr lang="zh-CN" altLang="en-US" smtClean="0"/>
               <a:t>2024/3/10</a:t>
             </a:fld>
@@ -2386,7 +2386,7 @@
           <p:cNvPr id="6" name="页脚占位符 5">
             <a:extLst>
               <a:ext uri="{FF2B5EF4-FFF2-40B4-BE49-F238E27FC236}">
-                <a16:creationId xmlns:a16="http://schemas.microsoft.com/office/drawing/2014/main" id="{ADB9B3BA-FEAB-B5AA-D6CB-8D1E74E941A4}"/>
+                <a16:creationId xmlns:a16="http://schemas.microsoft.com/office/drawing/2014/main" id="{B892258C-72BF-496B-1208-E482BB4795BE}"/>
               </a:ext>
             </a:extLst>
           </p:cNvPr>
@@ -2411,7 +2411,7 @@
           <p:cNvPr id="7" name="灯片编号占位符 6">
             <a:extLst>
               <a:ext uri="{FF2B5EF4-FFF2-40B4-BE49-F238E27FC236}">
-                <a16:creationId xmlns:a16="http://schemas.microsoft.com/office/drawing/2014/main" id="{931943E1-76B2-FEA6-D2B0-7FA0D1D1FB30}"/>
+                <a16:creationId xmlns:a16="http://schemas.microsoft.com/office/drawing/2014/main" id="{5F5ED463-C1EF-E779-DFF5-7D6946693AE8}"/>
               </a:ext>
             </a:extLst>
           </p:cNvPr>
@@ -2427,7 +2427,7 @@
           <a:bodyPr/>
           <a:lstStyle/>
           <a:p>
-            <a:fld id="{5458D442-1806-47ED-B8BB-E2082F361CE2}" type="slidenum">
+            <a:fld id="{2FFB7D80-7637-4C6F-9822-082EF9ABFCE0}" type="slidenum">
               <a:rPr lang="zh-CN" altLang="en-US" smtClean="0"/>
               <a:t>‹#›</a:t>
             </a:fld>
@@ -2438,7 +2438,7 @@
     </p:spTree>
     <p:extLst>
       <p:ext uri="{BB962C8B-B14F-4D97-AF65-F5344CB8AC3E}">
-        <p14:creationId xmlns:p14="http://schemas.microsoft.com/office/powerpoint/2010/main" val="1702253244"/>
+        <p14:creationId xmlns:p14="http://schemas.microsoft.com/office/powerpoint/2010/main" val="2500138724"/>
       </p:ext>
     </p:extLst>
   </p:cSld>
@@ -2470,7 +2470,7 @@
           <p:cNvPr id="2" name="标题 1">
             <a:extLst>
               <a:ext uri="{FF2B5EF4-FFF2-40B4-BE49-F238E27FC236}">
-                <a16:creationId xmlns:a16="http://schemas.microsoft.com/office/drawing/2014/main" id="{5C11FBFA-38A2-4656-D8A4-2E1D3C71EC25}"/>
+                <a16:creationId xmlns:a16="http://schemas.microsoft.com/office/drawing/2014/main" id="{CE563743-C7AC-4688-F705-AE73704C157F}"/>
               </a:ext>
             </a:extLst>
           </p:cNvPr>
@@ -2507,7 +2507,7 @@
           <p:cNvPr id="3" name="图片占位符 2">
             <a:extLst>
               <a:ext uri="{FF2B5EF4-FFF2-40B4-BE49-F238E27FC236}">
-                <a16:creationId xmlns:a16="http://schemas.microsoft.com/office/drawing/2014/main" id="{3F66B5B1-EB04-F8EE-DDCA-3BF95BF3E480}"/>
+                <a16:creationId xmlns:a16="http://schemas.microsoft.com/office/drawing/2014/main" id="{EBD84076-33EE-EEF7-7DC4-47CD48E36A7E}"/>
               </a:ext>
             </a:extLst>
           </p:cNvPr>
@@ -2574,7 +2574,7 @@
           <p:cNvPr id="4" name="文本占位符 3">
             <a:extLst>
               <a:ext uri="{FF2B5EF4-FFF2-40B4-BE49-F238E27FC236}">
-                <a16:creationId xmlns:a16="http://schemas.microsoft.com/office/drawing/2014/main" id="{66DEA02F-10F9-5A93-31DC-6A20B1836F34}"/>
+                <a16:creationId xmlns:a16="http://schemas.microsoft.com/office/drawing/2014/main" id="{BCBEE540-E6FC-CD78-DAD2-6A1BCBE1A065}"/>
               </a:ext>
             </a:extLst>
           </p:cNvPr>
@@ -2645,7 +2645,7 @@
           <p:cNvPr id="5" name="日期占位符 4">
             <a:extLst>
               <a:ext uri="{FF2B5EF4-FFF2-40B4-BE49-F238E27FC236}">
-                <a16:creationId xmlns:a16="http://schemas.microsoft.com/office/drawing/2014/main" id="{00CF245E-FCB3-CB57-39FF-DA4353ED6502}"/>
+                <a16:creationId xmlns:a16="http://schemas.microsoft.com/office/drawing/2014/main" id="{0072541F-23D8-FFDC-EBB7-4AA1398BDF96}"/>
               </a:ext>
             </a:extLst>
           </p:cNvPr>
@@ -2661,7 +2661,7 @@
           <a:bodyPr/>
           <a:lstStyle/>
           <a:p>
-            <a:fld id="{A15F7E19-E7D6-40C2-8C5A-36EDA350A870}" type="datetimeFigureOut">
+            <a:fld id="{BC0FE200-20BD-432D-8C1C-F305EACB23A5}" type="datetimeFigureOut">
               <a:rPr lang="zh-CN" altLang="en-US" smtClean="0"/>
               <a:t>2024/3/10</a:t>
             </a:fld>
@@ -2674,7 +2674,7 @@
           <p:cNvPr id="6" name="页脚占位符 5">
             <a:extLst>
               <a:ext uri="{FF2B5EF4-FFF2-40B4-BE49-F238E27FC236}">
-                <a16:creationId xmlns:a16="http://schemas.microsoft.com/office/drawing/2014/main" id="{DBD74F55-9210-86EB-4EED-8895B6900018}"/>
+                <a16:creationId xmlns:a16="http://schemas.microsoft.com/office/drawing/2014/main" id="{B19A5929-FF63-A28E-E583-7B6D14FF0D2C}"/>
               </a:ext>
             </a:extLst>
           </p:cNvPr>
@@ -2699,7 +2699,7 @@
           <p:cNvPr id="7" name="灯片编号占位符 6">
             <a:extLst>
               <a:ext uri="{FF2B5EF4-FFF2-40B4-BE49-F238E27FC236}">
-                <a16:creationId xmlns:a16="http://schemas.microsoft.com/office/drawing/2014/main" id="{23263B0F-52F9-C59C-520E-112BBB761679}"/>
+                <a16:creationId xmlns:a16="http://schemas.microsoft.com/office/drawing/2014/main" id="{CBF0CE73-8D61-2C1D-B5CF-773E74590549}"/>
               </a:ext>
             </a:extLst>
           </p:cNvPr>
@@ -2715,7 +2715,7 @@
           <a:bodyPr/>
           <a:lstStyle/>
           <a:p>
-            <a:fld id="{5458D442-1806-47ED-B8BB-E2082F361CE2}" type="slidenum">
+            <a:fld id="{2FFB7D80-7637-4C6F-9822-082EF9ABFCE0}" type="slidenum">
               <a:rPr lang="zh-CN" altLang="en-US" smtClean="0"/>
               <a:t>‹#›</a:t>
             </a:fld>
@@ -2726,7 +2726,7 @@
     </p:spTree>
     <p:extLst>
       <p:ext uri="{BB962C8B-B14F-4D97-AF65-F5344CB8AC3E}">
-        <p14:creationId xmlns:p14="http://schemas.microsoft.com/office/powerpoint/2010/main" val="3636447665"/>
+        <p14:creationId xmlns:p14="http://schemas.microsoft.com/office/powerpoint/2010/main" val="4110286463"/>
       </p:ext>
     </p:extLst>
   </p:cSld>
@@ -2763,7 +2763,7 @@
           <p:cNvPr id="2" name="标题占位符 1">
             <a:extLst>
               <a:ext uri="{FF2B5EF4-FFF2-40B4-BE49-F238E27FC236}">
-                <a16:creationId xmlns:a16="http://schemas.microsoft.com/office/drawing/2014/main" id="{55D9C246-97AD-BC19-59DE-F2066721770C}"/>
+                <a16:creationId xmlns:a16="http://schemas.microsoft.com/office/drawing/2014/main" id="{011C31E9-417C-FB30-D51A-E24C146F1ABD}"/>
               </a:ext>
             </a:extLst>
           </p:cNvPr>
@@ -2801,7 +2801,7 @@
           <p:cNvPr id="3" name="文本占位符 2">
             <a:extLst>
               <a:ext uri="{FF2B5EF4-FFF2-40B4-BE49-F238E27FC236}">
-                <a16:creationId xmlns:a16="http://schemas.microsoft.com/office/drawing/2014/main" id="{F161B259-0B07-0C83-DC31-785597037CB3}"/>
+                <a16:creationId xmlns:a16="http://schemas.microsoft.com/office/drawing/2014/main" id="{832C0E83-B1D1-C96A-C044-1F20F49FA85E}"/>
               </a:ext>
             </a:extLst>
           </p:cNvPr>
@@ -2868,7 +2868,7 @@
           <p:cNvPr id="4" name="日期占位符 3">
             <a:extLst>
               <a:ext uri="{FF2B5EF4-FFF2-40B4-BE49-F238E27FC236}">
-                <a16:creationId xmlns:a16="http://schemas.microsoft.com/office/drawing/2014/main" id="{1F012F4A-93E2-6ED2-17DF-F854ABA2821B}"/>
+                <a16:creationId xmlns:a16="http://schemas.microsoft.com/office/drawing/2014/main" id="{912DB597-9911-DB58-E112-D437C995953D}"/>
               </a:ext>
             </a:extLst>
           </p:cNvPr>
@@ -2902,7 +2902,7 @@
             </a:lvl1pPr>
           </a:lstStyle>
           <a:p>
-            <a:fld id="{A15F7E19-E7D6-40C2-8C5A-36EDA350A870}" type="datetimeFigureOut">
+            <a:fld id="{BC0FE200-20BD-432D-8C1C-F305EACB23A5}" type="datetimeFigureOut">
               <a:rPr lang="zh-CN" altLang="en-US" smtClean="0"/>
               <a:t>2024/3/10</a:t>
             </a:fld>
@@ -2915,7 +2915,7 @@
           <p:cNvPr id="5" name="页脚占位符 4">
             <a:extLst>
               <a:ext uri="{FF2B5EF4-FFF2-40B4-BE49-F238E27FC236}">
-                <a16:creationId xmlns:a16="http://schemas.microsoft.com/office/drawing/2014/main" id="{27679CC8-0D50-A54E-8DEF-A426D04C5750}"/>
+                <a16:creationId xmlns:a16="http://schemas.microsoft.com/office/drawing/2014/main" id="{53C4ABCF-32A9-848B-A615-FB42700ABBE1}"/>
               </a:ext>
             </a:extLst>
           </p:cNvPr>
@@ -2958,7 +2958,7 @@
           <p:cNvPr id="6" name="灯片编号占位符 5">
             <a:extLst>
               <a:ext uri="{FF2B5EF4-FFF2-40B4-BE49-F238E27FC236}">
-                <a16:creationId xmlns:a16="http://schemas.microsoft.com/office/drawing/2014/main" id="{D2F05A72-CE0F-C260-E86B-8A8022B35BC1}"/>
+                <a16:creationId xmlns:a16="http://schemas.microsoft.com/office/drawing/2014/main" id="{45D1B407-231A-4725-BB61-6306302E3397}"/>
               </a:ext>
             </a:extLst>
           </p:cNvPr>
@@ -2992,7 +2992,7 @@
             </a:lvl1pPr>
           </a:lstStyle>
           <a:p>
-            <a:fld id="{5458D442-1806-47ED-B8BB-E2082F361CE2}" type="slidenum">
+            <a:fld id="{2FFB7D80-7637-4C6F-9822-082EF9ABFCE0}" type="slidenum">
               <a:rPr lang="zh-CN" altLang="en-US" smtClean="0"/>
               <a:t>‹#›</a:t>
             </a:fld>
@@ -3003,7 +3003,7 @@
     </p:spTree>
     <p:extLst>
       <p:ext uri="{BB962C8B-B14F-4D97-AF65-F5344CB8AC3E}">
-        <p14:creationId xmlns:p14="http://schemas.microsoft.com/office/powerpoint/2010/main" val="4259049151"/>
+        <p14:creationId xmlns:p14="http://schemas.microsoft.com/office/powerpoint/2010/main" val="1537057227"/>
       </p:ext>
     </p:extLst>
   </p:cSld>
@@ -3323,7 +3323,7 @@
       </p:grpSpPr>
       <p:pic>
         <p:nvPicPr>
-          <p:cNvPr id="278530" name="Picture 2" descr="271"/>
+          <p:cNvPr id="279554" name="Picture 2" descr="272"/>
           <p:cNvPicPr>
             <a:picLocks noChangeAspect="1" noChangeArrowheads="1"/>
           </p:cNvPicPr>
